--- a/content/project/spectral_entropy/formula.pptx
+++ b/content/project/spectral_entropy/formula.pptx
@@ -6,6 +6,7 @@
   </p:sldMasterIdLst>
   <p:sldIdLst>
     <p:sldId id="256" r:id="rId2"/>
+    <p:sldId id="257" r:id="rId3"/>
   </p:sldIdLst>
   <p:sldSz cx="12192000" cy="6858000"/>
   <p:notesSz cx="6858000" cy="9144000"/>
@@ -104,7 +105,104 @@
       </a:defRPr>
     </a:lvl9pPr>
   </p:defaultTextStyle>
+  <p:extLst>
+    <p:ext uri="{EFAFB233-063F-42B5-8137-9DF3F51BA10A}">
+      <p15:sldGuideLst xmlns:p15="http://schemas.microsoft.com/office/powerpoint/2012/main"/>
+    </p:ext>
+  </p:extLst>
 </p:presentation>
+</file>
+
+<file path=ppt/revisionInfo.xml><?xml version="1.0" encoding="utf-8"?>
+<p1510:revInfo xmlns:a="http://schemas.openxmlformats.org/drawingml/2006/main" xmlns:r="http://schemas.openxmlformats.org/officeDocument/2006/relationships" xmlns:p1510="http://schemas.microsoft.com/office/powerpoint/2015/10/main">
+  <p1510:revLst>
+    <p1510:client id="{089A1753-0CBA-407A-B91F-9C39B92018CB}" v="1" dt="2023-08-06T05:36:58.900"/>
+  </p1510:revLst>
+</p1510:revInfo>
+</file>
+
+<file path=ppt/changesInfos/changesInfo1.xml><?xml version="1.0" encoding="utf-8"?>
+<pc:chgInfo xmlns:a="http://schemas.openxmlformats.org/drawingml/2006/main" xmlns:r="http://schemas.openxmlformats.org/officeDocument/2006/relationships" xmlns:ac="http://schemas.microsoft.com/office/drawing/2013/main/command" xmlns:pc="http://schemas.microsoft.com/office/powerpoint/2013/main/command">
+  <pc:docChgLst>
+    <pc:chgData name="Yuanyue Li" userId="62878614061aa2c9" providerId="LiveId" clId="{089A1753-0CBA-407A-B91F-9C39B92018CB}"/>
+    <pc:docChg chg="custSel addSld modSld">
+      <pc:chgData name="Yuanyue Li" userId="62878614061aa2c9" providerId="LiveId" clId="{089A1753-0CBA-407A-B91F-9C39B92018CB}" dt="2023-08-06T05:39:47.236" v="68" actId="1036"/>
+      <pc:docMkLst>
+        <pc:docMk/>
+      </pc:docMkLst>
+      <pc:sldChg chg="addSp delSp modSp mod">
+        <pc:chgData name="Yuanyue Li" userId="62878614061aa2c9" providerId="LiveId" clId="{089A1753-0CBA-407A-B91F-9C39B92018CB}" dt="2023-08-06T05:37:02.479" v="37" actId="478"/>
+        <pc:sldMkLst>
+          <pc:docMk/>
+          <pc:sldMk cId="170244788" sldId="256"/>
+        </pc:sldMkLst>
+        <pc:spChg chg="mod">
+          <ac:chgData name="Yuanyue Li" userId="62878614061aa2c9" providerId="LiveId" clId="{089A1753-0CBA-407A-B91F-9C39B92018CB}" dt="2023-08-06T05:36:46.674" v="31" actId="1036"/>
+          <ac:spMkLst>
+            <pc:docMk/>
+            <pc:sldMk cId="170244788" sldId="256"/>
+            <ac:spMk id="5" creationId="{C0DF3B28-DE69-71D6-7466-6FD3682746F0}"/>
+          </ac:spMkLst>
+        </pc:spChg>
+        <pc:spChg chg="mod">
+          <ac:chgData name="Yuanyue Li" userId="62878614061aa2c9" providerId="LiveId" clId="{089A1753-0CBA-407A-B91F-9C39B92018CB}" dt="2023-08-06T05:36:46.674" v="31" actId="1036"/>
+          <ac:spMkLst>
+            <pc:docMk/>
+            <pc:sldMk cId="170244788" sldId="256"/>
+            <ac:spMk id="7" creationId="{CB989766-0199-FFE7-F6B5-214C3A6D07FF}"/>
+          </ac:spMkLst>
+        </pc:spChg>
+        <pc:spChg chg="mod">
+          <ac:chgData name="Yuanyue Li" userId="62878614061aa2c9" providerId="LiveId" clId="{089A1753-0CBA-407A-B91F-9C39B92018CB}" dt="2023-08-06T05:36:46.674" v="31" actId="1036"/>
+          <ac:spMkLst>
+            <pc:docMk/>
+            <pc:sldMk cId="170244788" sldId="256"/>
+            <ac:spMk id="9" creationId="{824BFB6A-79C8-A97B-54F4-53E0C50A94C9}"/>
+          </ac:spMkLst>
+        </pc:spChg>
+        <pc:picChg chg="add del mod">
+          <ac:chgData name="Yuanyue Li" userId="62878614061aa2c9" providerId="LiveId" clId="{089A1753-0CBA-407A-B91F-9C39B92018CB}" dt="2023-08-06T05:37:02.479" v="37" actId="478"/>
+          <ac:picMkLst>
+            <pc:docMk/>
+            <pc:sldMk cId="170244788" sldId="256"/>
+            <ac:picMk id="3" creationId="{C0FAE45F-3A44-6FD9-15D5-D5CB8A2B875A}"/>
+          </ac:picMkLst>
+        </pc:picChg>
+      </pc:sldChg>
+      <pc:sldChg chg="addSp modSp new mod">
+        <pc:chgData name="Yuanyue Li" userId="62878614061aa2c9" providerId="LiveId" clId="{089A1753-0CBA-407A-B91F-9C39B92018CB}" dt="2023-08-06T05:39:47.236" v="68" actId="1036"/>
+        <pc:sldMkLst>
+          <pc:docMk/>
+          <pc:sldMk cId="1553453480" sldId="257"/>
+        </pc:sldMkLst>
+        <pc:spChg chg="add mod">
+          <ac:chgData name="Yuanyue Li" userId="62878614061aa2c9" providerId="LiveId" clId="{089A1753-0CBA-407A-B91F-9C39B92018CB}" dt="2023-08-06T05:36:58.900" v="36"/>
+          <ac:spMkLst>
+            <pc:docMk/>
+            <pc:sldMk cId="1553453480" sldId="257"/>
+            <ac:spMk id="2" creationId="{6E6DF34F-269B-8F44-EBC7-CE7B1D1BF3F9}"/>
+          </ac:spMkLst>
+        </pc:spChg>
+        <pc:spChg chg="add mod">
+          <ac:chgData name="Yuanyue Li" userId="62878614061aa2c9" providerId="LiveId" clId="{089A1753-0CBA-407A-B91F-9C39B92018CB}" dt="2023-08-06T05:36:58.900" v="36"/>
+          <ac:spMkLst>
+            <pc:docMk/>
+            <pc:sldMk cId="1553453480" sldId="257"/>
+            <ac:spMk id="3" creationId="{26321FB3-BF82-4766-F055-C1DE45D99C5F}"/>
+          </ac:spMkLst>
+        </pc:spChg>
+        <pc:picChg chg="add mod">
+          <ac:chgData name="Yuanyue Li" userId="62878614061aa2c9" providerId="LiveId" clId="{089A1753-0CBA-407A-B91F-9C39B92018CB}" dt="2023-08-06T05:39:47.236" v="68" actId="1036"/>
+          <ac:picMkLst>
+            <pc:docMk/>
+            <pc:sldMk cId="1553453480" sldId="257"/>
+            <ac:picMk id="4" creationId="{25FC64A2-1721-1EEA-755C-DF87C8CEBB10}"/>
+          </ac:picMkLst>
+        </pc:picChg>
+      </pc:sldChg>
+    </pc:docChg>
+  </pc:docChgLst>
+</pc:chgInfo>
 </file>
 
 <file path=ppt/slideLayouts/slideLayout1.xml><?xml version="1.0" encoding="utf-8"?>
@@ -254,7 +352,7 @@
           <a:p>
             <a:fld id="{3AB43427-832F-4F1C-B568-A34A0085ECE2}" type="datetimeFigureOut">
               <a:rPr lang="en-US" smtClean="0"/>
-              <a:t>8/3/2023</a:t>
+              <a:t>8/5/2023</a:t>
             </a:fld>
             <a:endParaRPr lang="en-US"/>
           </a:p>
@@ -452,7 +550,7 @@
           <a:p>
             <a:fld id="{3AB43427-832F-4F1C-B568-A34A0085ECE2}" type="datetimeFigureOut">
               <a:rPr lang="en-US" smtClean="0"/>
-              <a:t>8/3/2023</a:t>
+              <a:t>8/5/2023</a:t>
             </a:fld>
             <a:endParaRPr lang="en-US"/>
           </a:p>
@@ -660,7 +758,7 @@
           <a:p>
             <a:fld id="{3AB43427-832F-4F1C-B568-A34A0085ECE2}" type="datetimeFigureOut">
               <a:rPr lang="en-US" smtClean="0"/>
-              <a:t>8/3/2023</a:t>
+              <a:t>8/5/2023</a:t>
             </a:fld>
             <a:endParaRPr lang="en-US"/>
           </a:p>
@@ -858,7 +956,7 @@
           <a:p>
             <a:fld id="{3AB43427-832F-4F1C-B568-A34A0085ECE2}" type="datetimeFigureOut">
               <a:rPr lang="en-US" smtClean="0"/>
-              <a:t>8/3/2023</a:t>
+              <a:t>8/5/2023</a:t>
             </a:fld>
             <a:endParaRPr lang="en-US"/>
           </a:p>
@@ -1133,7 +1231,7 @@
           <a:p>
             <a:fld id="{3AB43427-832F-4F1C-B568-A34A0085ECE2}" type="datetimeFigureOut">
               <a:rPr lang="en-US" smtClean="0"/>
-              <a:t>8/3/2023</a:t>
+              <a:t>8/5/2023</a:t>
             </a:fld>
             <a:endParaRPr lang="en-US"/>
           </a:p>
@@ -1398,7 +1496,7 @@
           <a:p>
             <a:fld id="{3AB43427-832F-4F1C-B568-A34A0085ECE2}" type="datetimeFigureOut">
               <a:rPr lang="en-US" smtClean="0"/>
-              <a:t>8/3/2023</a:t>
+              <a:t>8/5/2023</a:t>
             </a:fld>
             <a:endParaRPr lang="en-US"/>
           </a:p>
@@ -1810,7 +1908,7 @@
           <a:p>
             <a:fld id="{3AB43427-832F-4F1C-B568-A34A0085ECE2}" type="datetimeFigureOut">
               <a:rPr lang="en-US" smtClean="0"/>
-              <a:t>8/3/2023</a:t>
+              <a:t>8/5/2023</a:t>
             </a:fld>
             <a:endParaRPr lang="en-US"/>
           </a:p>
@@ -1951,7 +2049,7 @@
           <a:p>
             <a:fld id="{3AB43427-832F-4F1C-B568-A34A0085ECE2}" type="datetimeFigureOut">
               <a:rPr lang="en-US" smtClean="0"/>
-              <a:t>8/3/2023</a:t>
+              <a:t>8/5/2023</a:t>
             </a:fld>
             <a:endParaRPr lang="en-US"/>
           </a:p>
@@ -2064,7 +2162,7 @@
           <a:p>
             <a:fld id="{3AB43427-832F-4F1C-B568-A34A0085ECE2}" type="datetimeFigureOut">
               <a:rPr lang="en-US" smtClean="0"/>
-              <a:t>8/3/2023</a:t>
+              <a:t>8/5/2023</a:t>
             </a:fld>
             <a:endParaRPr lang="en-US"/>
           </a:p>
@@ -2375,7 +2473,7 @@
           <a:p>
             <a:fld id="{3AB43427-832F-4F1C-B568-A34A0085ECE2}" type="datetimeFigureOut">
               <a:rPr lang="en-US" smtClean="0"/>
-              <a:t>8/3/2023</a:t>
+              <a:t>8/5/2023</a:t>
             </a:fld>
             <a:endParaRPr lang="en-US"/>
           </a:p>
@@ -2663,7 +2761,7 @@
           <a:p>
             <a:fld id="{3AB43427-832F-4F1C-B568-A34A0085ECE2}" type="datetimeFigureOut">
               <a:rPr lang="en-US" smtClean="0"/>
-              <a:t>8/3/2023</a:t>
+              <a:t>8/5/2023</a:t>
             </a:fld>
             <a:endParaRPr lang="en-US"/>
           </a:p>
@@ -2904,7 +3002,7 @@
           <a:p>
             <a:fld id="{3AB43427-832F-4F1C-B568-A34A0085ECE2}" type="datetimeFigureOut">
               <a:rPr lang="en-US" smtClean="0"/>
-              <a:t>8/3/2023</a:t>
+              <a:t>8/5/2023</a:t>
             </a:fld>
             <a:endParaRPr lang="en-US"/>
           </a:p>
@@ -3321,8 +3419,8 @@
           <a:chExt cx="0" cy="0"/>
         </a:xfrm>
       </p:grpSpPr>
-      <mc:AlternateContent xmlns:mc="http://schemas.openxmlformats.org/markup-compatibility/2006">
-        <mc:Choice xmlns:a14="http://schemas.microsoft.com/office/drawing/2010/main" Requires="a14">
+      <mc:AlternateContent xmlns:mc="http://schemas.openxmlformats.org/markup-compatibility/2006" xmlns:a14="http://schemas.microsoft.com/office/drawing/2010/main">
+        <mc:Choice Requires="a14">
           <p:sp>
             <p:nvSpPr>
               <p:cNvPr id="5" name="TextBox 4">
@@ -3337,7 +3435,7 @@
             </p:nvSpPr>
             <p:spPr>
               <a:xfrm>
-                <a:off x="2614840" y="1346733"/>
+                <a:off x="2614840" y="2571527"/>
                 <a:ext cx="6098874" cy="794961"/>
               </a:xfrm>
               <a:prstGeom prst="rect">
@@ -3503,7 +3601,7 @@
             </p:txBody>
           </p:sp>
         </mc:Choice>
-        <mc:Fallback>
+        <mc:Fallback xmlns="">
           <p:sp>
             <p:nvSpPr>
               <p:cNvPr id="5" name="TextBox 4">
@@ -3520,7 +3618,7 @@
             </p:nvSpPr>
             <p:spPr>
               <a:xfrm>
-                <a:off x="2614840" y="1346733"/>
+                <a:off x="2614840" y="2571527"/>
                 <a:ext cx="6098874" cy="794961"/>
               </a:xfrm>
               <a:prstGeom prst="rect">
@@ -3548,8 +3646,8 @@
           </p:sp>
         </mc:Fallback>
       </mc:AlternateContent>
-      <mc:AlternateContent xmlns:mc="http://schemas.openxmlformats.org/markup-compatibility/2006">
-        <mc:Choice xmlns:a14="http://schemas.microsoft.com/office/drawing/2010/main" Requires="a14">
+      <mc:AlternateContent xmlns:mc="http://schemas.openxmlformats.org/markup-compatibility/2006" xmlns:a14="http://schemas.microsoft.com/office/drawing/2010/main">
+        <mc:Choice Requires="a14">
           <p:sp>
             <p:nvSpPr>
               <p:cNvPr id="7" name="TextBox 6">
@@ -3564,7 +3662,7 @@
             </p:nvSpPr>
             <p:spPr>
               <a:xfrm>
-                <a:off x="3123008" y="2223343"/>
+                <a:off x="3123008" y="3448137"/>
                 <a:ext cx="6096000" cy="369332"/>
               </a:xfrm>
               <a:prstGeom prst="rect">
@@ -3775,7 +3873,7 @@
             </p:txBody>
           </p:sp>
         </mc:Choice>
-        <mc:Fallback>
+        <mc:Fallback xmlns="">
           <p:sp>
             <p:nvSpPr>
               <p:cNvPr id="7" name="TextBox 6">
@@ -3792,7 +3890,7 @@
             </p:nvSpPr>
             <p:spPr>
               <a:xfrm>
-                <a:off x="3123008" y="2223343"/>
+                <a:off x="3123008" y="3448137"/>
                 <a:ext cx="6096000" cy="369332"/>
               </a:xfrm>
               <a:prstGeom prst="rect">
@@ -3820,8 +3918,8 @@
           </p:sp>
         </mc:Fallback>
       </mc:AlternateContent>
-      <mc:AlternateContent xmlns:mc="http://schemas.openxmlformats.org/markup-compatibility/2006">
-        <mc:Choice xmlns:a14="http://schemas.microsoft.com/office/drawing/2010/main" Requires="a14">
+      <mc:AlternateContent xmlns:mc="http://schemas.openxmlformats.org/markup-compatibility/2006" xmlns:a14="http://schemas.microsoft.com/office/drawing/2010/main">
+        <mc:Choice Requires="a14">
           <p:sp>
             <p:nvSpPr>
               <p:cNvPr id="9" name="TextBox 8">
@@ -3836,7 +3934,7 @@
             </p:nvSpPr>
             <p:spPr>
               <a:xfrm>
-                <a:off x="3127291" y="2784227"/>
+                <a:off x="3127291" y="4009021"/>
                 <a:ext cx="6096000" cy="616451"/>
               </a:xfrm>
               <a:prstGeom prst="rect">
@@ -3951,7 +4049,7 @@
             </p:txBody>
           </p:sp>
         </mc:Choice>
-        <mc:Fallback>
+        <mc:Fallback xmlns="">
           <p:sp>
             <p:nvSpPr>
               <p:cNvPr id="9" name="TextBox 8">
@@ -3968,7 +4066,7 @@
             </p:nvSpPr>
             <p:spPr>
               <a:xfrm>
-                <a:off x="3127291" y="2784227"/>
+                <a:off x="3127291" y="4009021"/>
                 <a:ext cx="6096000" cy="616451"/>
               </a:xfrm>
               <a:prstGeom prst="rect">
@@ -4000,6 +4098,514 @@
     <p:extLst>
       <p:ext uri="{BB962C8B-B14F-4D97-AF65-F5344CB8AC3E}">
         <p14:creationId xmlns:p14="http://schemas.microsoft.com/office/powerpoint/2010/main" val="170244788"/>
+      </p:ext>
+    </p:extLst>
+  </p:cSld>
+  <p:clrMapOvr>
+    <a:masterClrMapping/>
+  </p:clrMapOvr>
+</p:sld>
+</file>
+
+<file path=ppt/slides/slide2.xml><?xml version="1.0" encoding="utf-8"?>
+<p:sld xmlns:a="http://schemas.openxmlformats.org/drawingml/2006/main" xmlns:r="http://schemas.openxmlformats.org/officeDocument/2006/relationships" xmlns:p="http://schemas.openxmlformats.org/presentationml/2006/main">
+  <p:cSld>
+    <p:spTree>
+      <p:nvGrpSpPr>
+        <p:cNvPr id="1" name=""/>
+        <p:cNvGrpSpPr/>
+        <p:nvPr/>
+      </p:nvGrpSpPr>
+      <p:grpSpPr>
+        <a:xfrm>
+          <a:off x="0" y="0"/>
+          <a:ext cx="0" cy="0"/>
+          <a:chOff x="0" y="0"/>
+          <a:chExt cx="0" cy="0"/>
+        </a:xfrm>
+      </p:grpSpPr>
+      <mc:AlternateContent xmlns:mc="http://schemas.openxmlformats.org/markup-compatibility/2006" xmlns:a14="http://schemas.microsoft.com/office/drawing/2010/main">
+        <mc:Choice Requires="a14">
+          <p:sp>
+            <p:nvSpPr>
+              <p:cNvPr id="2" name="TextBox 1">
+                <a:extLst>
+                  <a:ext uri="{FF2B5EF4-FFF2-40B4-BE49-F238E27FC236}">
+                    <a16:creationId xmlns:a16="http://schemas.microsoft.com/office/drawing/2014/main" id="{6E6DF34F-269B-8F44-EBC7-CE7B1D1BF3F9}"/>
+                  </a:ext>
+                </a:extLst>
+              </p:cNvPr>
+              <p:cNvSpPr txBox="1"/>
+              <p:nvPr/>
+            </p:nvSpPr>
+            <p:spPr>
+              <a:xfrm>
+                <a:off x="3123008" y="3448137"/>
+                <a:ext cx="6096000" cy="369332"/>
+              </a:xfrm>
+              <a:prstGeom prst="rect">
+                <a:avLst/>
+              </a:prstGeom>
+              <a:noFill/>
+            </p:spPr>
+            <p:txBody>
+              <a:bodyPr wrap="square">
+                <a:spAutoFit/>
+              </a:bodyPr>
+              <a:lstStyle/>
+              <a:p>
+                <a:pPr algn="ctr"/>
+                <a14:m>
+                  <m:oMathPara xmlns:m="http://schemas.openxmlformats.org/officeDocument/2006/math">
+                    <m:oMathParaPr>
+                      <m:jc m:val="center"/>
+                    </m:oMathParaPr>
+                    <m:oMath xmlns:m="http://schemas.openxmlformats.org/officeDocument/2006/math">
+                      <m:r>
+                        <a:rPr lang="en-US" i="1" smtClean="0">
+                          <a:latin typeface="Cambria Math" panose="02040503050406030204" pitchFamily="18" charset="0"/>
+                        </a:rPr>
+                        <m:t>𝐸𝑛𝑡𝑟𝑜𝑝𝑦</m:t>
+                      </m:r>
+                      <m:r>
+                        <a:rPr lang="en-US" i="0">
+                          <a:latin typeface="Cambria Math" panose="02040503050406030204" pitchFamily="18" charset="0"/>
+                        </a:rPr>
+                        <m:t> </m:t>
+                      </m:r>
+                      <m:r>
+                        <a:rPr lang="en-US" i="1">
+                          <a:latin typeface="Cambria Math" panose="02040503050406030204" pitchFamily="18" charset="0"/>
+                        </a:rPr>
+                        <m:t>𝑑𝑖𝑠𝑡𝑎𝑛𝑐𝑒</m:t>
+                      </m:r>
+                      <m:r>
+                        <a:rPr lang="en-US" i="0">
+                          <a:latin typeface="Cambria Math" panose="02040503050406030204" pitchFamily="18" charset="0"/>
+                        </a:rPr>
+                        <m:t>=</m:t>
+                      </m:r>
+                      <m:d>
+                        <m:dPr>
+                          <m:ctrlPr>
+                            <a:rPr lang="en-US" i="1">
+                              <a:solidFill>
+                                <a:srgbClr val="836967"/>
+                              </a:solidFill>
+                              <a:latin typeface="Cambria Math" panose="02040503050406030204" pitchFamily="18" charset="0"/>
+                            </a:rPr>
+                          </m:ctrlPr>
+                        </m:dPr>
+                        <m:e>
+                          <m:sSub>
+                            <m:sSubPr>
+                              <m:ctrlPr>
+                                <a:rPr lang="en-US" i="1">
+                                  <a:solidFill>
+                                    <a:srgbClr val="836967"/>
+                                  </a:solidFill>
+                                  <a:latin typeface="Cambria Math" panose="02040503050406030204" pitchFamily="18" charset="0"/>
+                                </a:rPr>
+                              </m:ctrlPr>
+                            </m:sSubPr>
+                            <m:e>
+                              <m:r>
+                                <a:rPr lang="en-US" i="1">
+                                  <a:latin typeface="Cambria Math" panose="02040503050406030204" pitchFamily="18" charset="0"/>
+                                </a:rPr>
+                                <m:t>𝑆</m:t>
+                              </m:r>
+                            </m:e>
+                            <m:sub>
+                              <m:r>
+                                <a:rPr lang="en-US" i="1">
+                                  <a:latin typeface="Cambria Math" panose="02040503050406030204" pitchFamily="18" charset="0"/>
+                                </a:rPr>
+                                <m:t>𝐴𝐵</m:t>
+                              </m:r>
+                            </m:sub>
+                          </m:sSub>
+                          <m:r>
+                            <a:rPr lang="en-US" i="0">
+                              <a:latin typeface="Cambria Math" panose="02040503050406030204" pitchFamily="18" charset="0"/>
+                            </a:rPr>
+                            <m:t>−</m:t>
+                          </m:r>
+                          <m:sSub>
+                            <m:sSubPr>
+                              <m:ctrlPr>
+                                <a:rPr lang="en-US" i="1">
+                                  <a:solidFill>
+                                    <a:srgbClr val="836967"/>
+                                  </a:solidFill>
+                                  <a:latin typeface="Cambria Math" panose="02040503050406030204" pitchFamily="18" charset="0"/>
+                                </a:rPr>
+                              </m:ctrlPr>
+                            </m:sSubPr>
+                            <m:e>
+                              <m:r>
+                                <a:rPr lang="en-US" i="1">
+                                  <a:latin typeface="Cambria Math" panose="02040503050406030204" pitchFamily="18" charset="0"/>
+                                </a:rPr>
+                                <m:t>𝑆</m:t>
+                              </m:r>
+                            </m:e>
+                            <m:sub>
+                              <m:r>
+                                <a:rPr lang="en-US" i="1">
+                                  <a:latin typeface="Cambria Math" panose="02040503050406030204" pitchFamily="18" charset="0"/>
+                                </a:rPr>
+                                <m:t>𝐵</m:t>
+                              </m:r>
+                            </m:sub>
+                          </m:sSub>
+                        </m:e>
+                      </m:d>
+                      <m:r>
+                        <a:rPr lang="en-US" i="0">
+                          <a:latin typeface="Cambria Math" panose="02040503050406030204" pitchFamily="18" charset="0"/>
+                        </a:rPr>
+                        <m:t>+</m:t>
+                      </m:r>
+                      <m:d>
+                        <m:dPr>
+                          <m:ctrlPr>
+                            <a:rPr lang="en-US" i="1">
+                              <a:solidFill>
+                                <a:srgbClr val="836967"/>
+                              </a:solidFill>
+                              <a:latin typeface="Cambria Math" panose="02040503050406030204" pitchFamily="18" charset="0"/>
+                            </a:rPr>
+                          </m:ctrlPr>
+                        </m:dPr>
+                        <m:e>
+                          <m:sSub>
+                            <m:sSubPr>
+                              <m:ctrlPr>
+                                <a:rPr lang="en-US" i="1">
+                                  <a:solidFill>
+                                    <a:srgbClr val="836967"/>
+                                  </a:solidFill>
+                                  <a:latin typeface="Cambria Math" panose="02040503050406030204" pitchFamily="18" charset="0"/>
+                                </a:rPr>
+                              </m:ctrlPr>
+                            </m:sSubPr>
+                            <m:e>
+                              <m:r>
+                                <a:rPr lang="en-US" i="1">
+                                  <a:latin typeface="Cambria Math" panose="02040503050406030204" pitchFamily="18" charset="0"/>
+                                </a:rPr>
+                                <m:t>𝑆</m:t>
+                              </m:r>
+                            </m:e>
+                            <m:sub>
+                              <m:r>
+                                <a:rPr lang="en-US" i="1">
+                                  <a:latin typeface="Cambria Math" panose="02040503050406030204" pitchFamily="18" charset="0"/>
+                                </a:rPr>
+                                <m:t>𝐴𝐵</m:t>
+                              </m:r>
+                            </m:sub>
+                          </m:sSub>
+                          <m:r>
+                            <a:rPr lang="en-US" i="0">
+                              <a:latin typeface="Cambria Math" panose="02040503050406030204" pitchFamily="18" charset="0"/>
+                            </a:rPr>
+                            <m:t>−</m:t>
+                          </m:r>
+                          <m:sSub>
+                            <m:sSubPr>
+                              <m:ctrlPr>
+                                <a:rPr lang="en-US" i="1">
+                                  <a:solidFill>
+                                    <a:srgbClr val="836967"/>
+                                  </a:solidFill>
+                                  <a:latin typeface="Cambria Math" panose="02040503050406030204" pitchFamily="18" charset="0"/>
+                                </a:rPr>
+                              </m:ctrlPr>
+                            </m:sSubPr>
+                            <m:e>
+                              <m:r>
+                                <a:rPr lang="en-US" i="1">
+                                  <a:latin typeface="Cambria Math" panose="02040503050406030204" pitchFamily="18" charset="0"/>
+                                </a:rPr>
+                                <m:t>𝑆</m:t>
+                              </m:r>
+                            </m:e>
+                            <m:sub>
+                              <m:r>
+                                <a:rPr lang="en-US" i="1">
+                                  <a:latin typeface="Cambria Math" panose="02040503050406030204" pitchFamily="18" charset="0"/>
+                                </a:rPr>
+                                <m:t>𝐵</m:t>
+                              </m:r>
+                            </m:sub>
+                          </m:sSub>
+                        </m:e>
+                      </m:d>
+                    </m:oMath>
+                  </m:oMathPara>
+                </a14:m>
+                <a:endParaRPr lang="en-US" dirty="0"/>
+              </a:p>
+            </p:txBody>
+          </p:sp>
+        </mc:Choice>
+        <mc:Fallback xmlns="">
+          <p:sp>
+            <p:nvSpPr>
+              <p:cNvPr id="2" name="TextBox 1">
+                <a:extLst>
+                  <a:ext uri="{FF2B5EF4-FFF2-40B4-BE49-F238E27FC236}">
+                    <a16:creationId xmlns:a16="http://schemas.microsoft.com/office/drawing/2014/main" id="{6E6DF34F-269B-8F44-EBC7-CE7B1D1BF3F9}"/>
+                  </a:ext>
+                </a:extLst>
+              </p:cNvPr>
+              <p:cNvSpPr txBox="1">
+                <a:spLocks noRot="1" noChangeAspect="1" noMove="1" noResize="1" noEditPoints="1" noAdjustHandles="1" noChangeArrowheads="1" noChangeShapeType="1" noTextEdit="1"/>
+              </p:cNvSpPr>
+              <p:nvPr/>
+            </p:nvSpPr>
+            <p:spPr>
+              <a:xfrm>
+                <a:off x="3123008" y="3448137"/>
+                <a:ext cx="6096000" cy="369332"/>
+              </a:xfrm>
+              <a:prstGeom prst="rect">
+                <a:avLst/>
+              </a:prstGeom>
+              <a:blipFill>
+                <a:blip r:embed="rId2"/>
+                <a:stretch>
+                  <a:fillRect b="-13333"/>
+                </a:stretch>
+              </a:blipFill>
+            </p:spPr>
+            <p:txBody>
+              <a:bodyPr/>
+              <a:lstStyle/>
+              <a:p>
+                <a:r>
+                  <a:rPr lang="en-US">
+                    <a:noFill/>
+                  </a:rPr>
+                  <a:t> </a:t>
+                </a:r>
+              </a:p>
+            </p:txBody>
+          </p:sp>
+        </mc:Fallback>
+      </mc:AlternateContent>
+      <mc:AlternateContent xmlns:mc="http://schemas.openxmlformats.org/markup-compatibility/2006" xmlns:a14="http://schemas.microsoft.com/office/drawing/2010/main">
+        <mc:Choice Requires="a14">
+          <p:sp>
+            <p:nvSpPr>
+              <p:cNvPr id="3" name="TextBox 2">
+                <a:extLst>
+                  <a:ext uri="{FF2B5EF4-FFF2-40B4-BE49-F238E27FC236}">
+                    <a16:creationId xmlns:a16="http://schemas.microsoft.com/office/drawing/2014/main" id="{26321FB3-BF82-4766-F055-C1DE45D99C5F}"/>
+                  </a:ext>
+                </a:extLst>
+              </p:cNvPr>
+              <p:cNvSpPr txBox="1"/>
+              <p:nvPr/>
+            </p:nvSpPr>
+            <p:spPr>
+              <a:xfrm>
+                <a:off x="3127291" y="4009021"/>
+                <a:ext cx="6096000" cy="616451"/>
+              </a:xfrm>
+              <a:prstGeom prst="rect">
+                <a:avLst/>
+              </a:prstGeom>
+              <a:noFill/>
+            </p:spPr>
+            <p:txBody>
+              <a:bodyPr wrap="square">
+                <a:spAutoFit/>
+              </a:bodyPr>
+              <a:lstStyle/>
+              <a:p>
+                <a:pPr algn="ctr"/>
+                <a14:m>
+                  <m:oMathPara xmlns:m="http://schemas.openxmlformats.org/officeDocument/2006/math">
+                    <m:oMathParaPr>
+                      <m:jc m:val="center"/>
+                    </m:oMathParaPr>
+                    <m:oMath xmlns:m="http://schemas.openxmlformats.org/officeDocument/2006/math">
+                      <m:r>
+                        <a:rPr lang="en-US" i="1" smtClean="0">
+                          <a:latin typeface="Cambria Math" panose="02040503050406030204" pitchFamily="18" charset="0"/>
+                        </a:rPr>
+                        <m:t>𝐸𝑛𝑡𝑟𝑜𝑝𝑦</m:t>
+                      </m:r>
+                      <m:r>
+                        <a:rPr lang="en-US" i="0">
+                          <a:latin typeface="Cambria Math" panose="02040503050406030204" pitchFamily="18" charset="0"/>
+                        </a:rPr>
+                        <m:t> </m:t>
+                      </m:r>
+                      <m:r>
+                        <a:rPr lang="en-US" i="1">
+                          <a:latin typeface="Cambria Math" panose="02040503050406030204" pitchFamily="18" charset="0"/>
+                        </a:rPr>
+                        <m:t>𝑠𝑖𝑚𝑖𝑙𝑎𝑟𝑖𝑡𝑦</m:t>
+                      </m:r>
+                      <m:r>
+                        <a:rPr lang="en-US" i="0">
+                          <a:latin typeface="Cambria Math" panose="02040503050406030204" pitchFamily="18" charset="0"/>
+                        </a:rPr>
+                        <m:t>=1−</m:t>
+                      </m:r>
+                      <m:f>
+                        <m:fPr>
+                          <m:ctrlPr>
+                            <a:rPr lang="en-US" i="1">
+                              <a:solidFill>
+                                <a:srgbClr val="836967"/>
+                              </a:solidFill>
+                              <a:latin typeface="Cambria Math" panose="02040503050406030204" pitchFamily="18" charset="0"/>
+                            </a:rPr>
+                          </m:ctrlPr>
+                        </m:fPr>
+                        <m:num>
+                          <m:r>
+                            <a:rPr lang="en-US" i="1">
+                              <a:latin typeface="Cambria Math" panose="02040503050406030204" pitchFamily="18" charset="0"/>
+                            </a:rPr>
+                            <m:t>𝐸𝑛𝑡𝑟𝑜𝑝𝑦</m:t>
+                          </m:r>
+                          <m:r>
+                            <a:rPr lang="en-US" i="0">
+                              <a:latin typeface="Cambria Math" panose="02040503050406030204" pitchFamily="18" charset="0"/>
+                            </a:rPr>
+                            <m:t> </m:t>
+                          </m:r>
+                          <m:r>
+                            <a:rPr lang="en-US" i="1">
+                              <a:latin typeface="Cambria Math" panose="02040503050406030204" pitchFamily="18" charset="0"/>
+                            </a:rPr>
+                            <m:t>𝑑𝑖𝑠𝑡𝑎𝑛𝑐𝑒</m:t>
+                          </m:r>
+                        </m:num>
+                        <m:den>
+                          <m:func>
+                            <m:funcPr>
+                              <m:ctrlPr>
+                                <a:rPr lang="en-US" i="1">
+                                  <a:latin typeface="Cambria Math" panose="02040503050406030204" pitchFamily="18" charset="0"/>
+                                </a:rPr>
+                              </m:ctrlPr>
+                            </m:funcPr>
+                            <m:fName>
+                              <m:r>
+                                <m:rPr>
+                                  <m:sty m:val="p"/>
+                                </m:rPr>
+                                <a:rPr lang="en-US" i="0">
+                                  <a:latin typeface="Cambria Math" panose="02040503050406030204" pitchFamily="18" charset="0"/>
+                                </a:rPr>
+                                <m:t>ln</m:t>
+                              </m:r>
+                            </m:fName>
+                            <m:e>
+                              <m:r>
+                                <a:rPr lang="en-US" i="0">
+                                  <a:latin typeface="Cambria Math" panose="02040503050406030204" pitchFamily="18" charset="0"/>
+                                </a:rPr>
+                                <m:t>4</m:t>
+                              </m:r>
+                            </m:e>
+                          </m:func>
+                        </m:den>
+                      </m:f>
+                    </m:oMath>
+                  </m:oMathPara>
+                </a14:m>
+                <a:endParaRPr lang="en-US" dirty="0"/>
+              </a:p>
+            </p:txBody>
+          </p:sp>
+        </mc:Choice>
+        <mc:Fallback xmlns="">
+          <p:sp>
+            <p:nvSpPr>
+              <p:cNvPr id="3" name="TextBox 2">
+                <a:extLst>
+                  <a:ext uri="{FF2B5EF4-FFF2-40B4-BE49-F238E27FC236}">
+                    <a16:creationId xmlns:a16="http://schemas.microsoft.com/office/drawing/2014/main" id="{26321FB3-BF82-4766-F055-C1DE45D99C5F}"/>
+                  </a:ext>
+                </a:extLst>
+              </p:cNvPr>
+              <p:cNvSpPr txBox="1">
+                <a:spLocks noRot="1" noChangeAspect="1" noMove="1" noResize="1" noEditPoints="1" noAdjustHandles="1" noChangeArrowheads="1" noChangeShapeType="1" noTextEdit="1"/>
+              </p:cNvSpPr>
+              <p:nvPr/>
+            </p:nvSpPr>
+            <p:spPr>
+              <a:xfrm>
+                <a:off x="3127291" y="4009021"/>
+                <a:ext cx="6096000" cy="616451"/>
+              </a:xfrm>
+              <a:prstGeom prst="rect">
+                <a:avLst/>
+              </a:prstGeom>
+              <a:blipFill>
+                <a:blip r:embed="rId3"/>
+                <a:stretch>
+                  <a:fillRect/>
+                </a:stretch>
+              </a:blipFill>
+            </p:spPr>
+            <p:txBody>
+              <a:bodyPr/>
+              <a:lstStyle/>
+              <a:p>
+                <a:r>
+                  <a:rPr lang="en-US">
+                    <a:noFill/>
+                  </a:rPr>
+                  <a:t> </a:t>
+                </a:r>
+              </a:p>
+            </p:txBody>
+          </p:sp>
+        </mc:Fallback>
+      </mc:AlternateContent>
+      <p:pic>
+        <p:nvPicPr>
+          <p:cNvPr id="4" name="Picture 3">
+            <a:extLst>
+              <a:ext uri="{FF2B5EF4-FFF2-40B4-BE49-F238E27FC236}">
+                <a16:creationId xmlns:a16="http://schemas.microsoft.com/office/drawing/2014/main" id="{25FC64A2-1721-1EEA-755C-DF87C8CEBB10}"/>
+              </a:ext>
+            </a:extLst>
+          </p:cNvPr>
+          <p:cNvPicPr>
+            <a:picLocks noChangeAspect="1"/>
+          </p:cNvPicPr>
+          <p:nvPr/>
+        </p:nvPicPr>
+        <p:blipFill>
+          <a:blip r:embed="rId4"/>
+          <a:stretch>
+            <a:fillRect/>
+          </a:stretch>
+        </p:blipFill>
+        <p:spPr>
+          <a:xfrm>
+            <a:off x="3161372" y="578482"/>
+            <a:ext cx="5869256" cy="2568688"/>
+          </a:xfrm>
+          <a:prstGeom prst="rect">
+            <a:avLst/>
+          </a:prstGeom>
+        </p:spPr>
+      </p:pic>
+    </p:spTree>
+    <p:extLst>
+      <p:ext uri="{BB962C8B-B14F-4D97-AF65-F5344CB8AC3E}">
+        <p14:creationId xmlns:p14="http://schemas.microsoft.com/office/powerpoint/2010/main" val="1553453480"/>
       </p:ext>
     </p:extLst>
   </p:cSld>
